--- a/docs/songs/great big god.pptx
+++ b/docs/songs/great big god.pptx
@@ -307,7 +307,7 @@
             <a:fld id="{26EA1CF3-4A15-4CBF-9A5A-6A56C368BE71}" type="datetimeFigureOut">
               <a:rPr lang="en-GB" smtClean="0"/>
               <a:pPr/>
-              <a:t>03/10/2022</a:t>
+              <a:t>08/06/2024</a:t>
             </a:fld>
             <a:endParaRPr lang="en-GB"/>
           </a:p>
@@ -474,7 +474,7 @@
             <a:fld id="{26EA1CF3-4A15-4CBF-9A5A-6A56C368BE71}" type="datetimeFigureOut">
               <a:rPr lang="en-GB" smtClean="0"/>
               <a:pPr/>
-              <a:t>03/10/2022</a:t>
+              <a:t>08/06/2024</a:t>
             </a:fld>
             <a:endParaRPr lang="en-GB"/>
           </a:p>
@@ -651,7 +651,7 @@
             <a:fld id="{26EA1CF3-4A15-4CBF-9A5A-6A56C368BE71}" type="datetimeFigureOut">
               <a:rPr lang="en-GB" smtClean="0"/>
               <a:pPr/>
-              <a:t>03/10/2022</a:t>
+              <a:t>08/06/2024</a:t>
             </a:fld>
             <a:endParaRPr lang="en-GB"/>
           </a:p>
@@ -818,7 +818,7 @@
             <a:fld id="{26EA1CF3-4A15-4CBF-9A5A-6A56C368BE71}" type="datetimeFigureOut">
               <a:rPr lang="en-GB" smtClean="0"/>
               <a:pPr/>
-              <a:t>03/10/2022</a:t>
+              <a:t>08/06/2024</a:t>
             </a:fld>
             <a:endParaRPr lang="en-GB"/>
           </a:p>
@@ -1061,7 +1061,7 @@
             <a:fld id="{26EA1CF3-4A15-4CBF-9A5A-6A56C368BE71}" type="datetimeFigureOut">
               <a:rPr lang="en-GB" smtClean="0"/>
               <a:pPr/>
-              <a:t>03/10/2022</a:t>
+              <a:t>08/06/2024</a:t>
             </a:fld>
             <a:endParaRPr lang="en-GB"/>
           </a:p>
@@ -1346,7 +1346,7 @@
             <a:fld id="{26EA1CF3-4A15-4CBF-9A5A-6A56C368BE71}" type="datetimeFigureOut">
               <a:rPr lang="en-GB" smtClean="0"/>
               <a:pPr/>
-              <a:t>03/10/2022</a:t>
+              <a:t>08/06/2024</a:t>
             </a:fld>
             <a:endParaRPr lang="en-GB"/>
           </a:p>
@@ -1765,7 +1765,7 @@
             <a:fld id="{26EA1CF3-4A15-4CBF-9A5A-6A56C368BE71}" type="datetimeFigureOut">
               <a:rPr lang="en-GB" smtClean="0"/>
               <a:pPr/>
-              <a:t>03/10/2022</a:t>
+              <a:t>08/06/2024</a:t>
             </a:fld>
             <a:endParaRPr lang="en-GB"/>
           </a:p>
@@ -1880,7 +1880,7 @@
             <a:fld id="{26EA1CF3-4A15-4CBF-9A5A-6A56C368BE71}" type="datetimeFigureOut">
               <a:rPr lang="en-GB" smtClean="0"/>
               <a:pPr/>
-              <a:t>03/10/2022</a:t>
+              <a:t>08/06/2024</a:t>
             </a:fld>
             <a:endParaRPr lang="en-GB"/>
           </a:p>
@@ -1972,7 +1972,7 @@
             <a:fld id="{26EA1CF3-4A15-4CBF-9A5A-6A56C368BE71}" type="datetimeFigureOut">
               <a:rPr lang="en-GB" smtClean="0"/>
               <a:pPr/>
-              <a:t>03/10/2022</a:t>
+              <a:t>08/06/2024</a:t>
             </a:fld>
             <a:endParaRPr lang="en-GB"/>
           </a:p>
@@ -2246,7 +2246,7 @@
             <a:fld id="{26EA1CF3-4A15-4CBF-9A5A-6A56C368BE71}" type="datetimeFigureOut">
               <a:rPr lang="en-GB" smtClean="0"/>
               <a:pPr/>
-              <a:t>03/10/2022</a:t>
+              <a:t>08/06/2024</a:t>
             </a:fld>
             <a:endParaRPr lang="en-GB"/>
           </a:p>
@@ -2496,7 +2496,7 @@
             <a:fld id="{26EA1CF3-4A15-4CBF-9A5A-6A56C368BE71}" type="datetimeFigureOut">
               <a:rPr lang="en-GB" smtClean="0"/>
               <a:pPr/>
-              <a:t>03/10/2022</a:t>
+              <a:t>08/06/2024</a:t>
             </a:fld>
             <a:endParaRPr lang="en-GB"/>
           </a:p>
@@ -2709,7 +2709,7 @@
             <a:fld id="{26EA1CF3-4A15-4CBF-9A5A-6A56C368BE71}" type="datetimeFigureOut">
               <a:rPr lang="en-GB" smtClean="0"/>
               <a:pPr/>
-              <a:t>03/10/2022</a:t>
+              <a:t>08/06/2024</a:t>
             </a:fld>
             <a:endParaRPr lang="en-GB"/>
           </a:p>
@@ -3248,7 +3248,7 @@
         </p:nvSpPr>
         <p:spPr>
           <a:xfrm>
-            <a:off x="323528" y="188640"/>
+            <a:off x="251520" y="692696"/>
             <a:ext cx="8640960" cy="6480720"/>
           </a:xfrm>
         </p:spPr>
@@ -3259,7 +3259,7 @@
           <a:lstStyle/>
           <a:p>
             <a:r>
-              <a:rPr lang="en-GB" sz="6200" dirty="0">
+              <a:rPr lang="en-GB" sz="4400" dirty="0">
                 <a:solidFill>
                   <a:schemeClr val="bg1"/>
                 </a:solidFill>
@@ -3269,7 +3269,7 @@
           </a:p>
           <a:p>
             <a:r>
-              <a:rPr lang="en-GB" sz="6200" dirty="0">
+              <a:rPr lang="en-GB" sz="4400" dirty="0">
                 <a:solidFill>
                   <a:schemeClr val="bg1"/>
                 </a:solidFill>
@@ -3279,7 +3279,7 @@
           </a:p>
           <a:p>
             <a:r>
-              <a:rPr lang="en-GB" sz="6200" dirty="0">
+              <a:rPr lang="en-GB" sz="4400" dirty="0">
                 <a:solidFill>
                   <a:schemeClr val="bg1"/>
                 </a:solidFill>
@@ -3289,7 +3289,7 @@
           </a:p>
           <a:p>
             <a:r>
-              <a:rPr lang="en-GB" sz="6200" dirty="0">
+              <a:rPr lang="en-GB" sz="4400" dirty="0">
                 <a:solidFill>
                   <a:schemeClr val="bg1"/>
                 </a:solidFill>
@@ -3374,7 +3374,7 @@
         </p:nvSpPr>
         <p:spPr>
           <a:xfrm>
-            <a:off x="323528" y="188640"/>
+            <a:off x="251520" y="692696"/>
             <a:ext cx="8640960" cy="6480720"/>
           </a:xfrm>
         </p:spPr>
@@ -3384,6 +3384,11 @@
           </a:bodyPr>
           <a:lstStyle/>
           <a:p>
+            <a:pPr>
+              <a:spcBef>
+                <a:spcPts val="0"/>
+              </a:spcBef>
+            </a:pPr>
             <a:r>
               <a:rPr lang="en-GB" sz="4200" dirty="0">
                 <a:solidFill>
@@ -3394,6 +3399,11 @@
             </a:r>
           </a:p>
           <a:p>
+            <a:pPr>
+              <a:spcBef>
+                <a:spcPts val="0"/>
+              </a:spcBef>
+            </a:pPr>
             <a:r>
               <a:rPr lang="en-GB" sz="4200" dirty="0">
                 <a:solidFill>
@@ -3404,6 +3414,11 @@
             </a:r>
           </a:p>
           <a:p>
+            <a:pPr>
+              <a:spcBef>
+                <a:spcPts val="0"/>
+              </a:spcBef>
+            </a:pPr>
             <a:r>
               <a:rPr lang="en-GB" sz="4200" dirty="0">
                 <a:solidFill>
@@ -3414,6 +3429,11 @@
             </a:r>
           </a:p>
           <a:p>
+            <a:pPr>
+              <a:spcBef>
+                <a:spcPts val="0"/>
+              </a:spcBef>
+            </a:pPr>
             <a:r>
               <a:rPr lang="en-GB" sz="4200" dirty="0">
                 <a:solidFill>
@@ -3424,6 +3444,11 @@
             </a:r>
           </a:p>
           <a:p>
+            <a:pPr>
+              <a:spcBef>
+                <a:spcPts val="0"/>
+              </a:spcBef>
+            </a:pPr>
             <a:r>
               <a:rPr lang="en-GB" sz="4200" dirty="0">
                 <a:solidFill>
@@ -3434,6 +3459,11 @@
             </a:r>
           </a:p>
           <a:p>
+            <a:pPr>
+              <a:spcBef>
+                <a:spcPts val="0"/>
+              </a:spcBef>
+            </a:pPr>
             <a:r>
               <a:rPr lang="en-GB" sz="4200" dirty="0">
                 <a:solidFill>
@@ -3444,6 +3474,11 @@
             </a:r>
           </a:p>
           <a:p>
+            <a:pPr>
+              <a:spcBef>
+                <a:spcPts val="0"/>
+              </a:spcBef>
+            </a:pPr>
             <a:r>
               <a:rPr lang="en-GB" sz="4200" dirty="0">
                 <a:solidFill>
@@ -3454,6 +3489,11 @@
             </a:r>
           </a:p>
           <a:p>
+            <a:pPr>
+              <a:spcBef>
+                <a:spcPts val="0"/>
+              </a:spcBef>
+            </a:pPr>
             <a:r>
               <a:rPr lang="en-GB" sz="4200" dirty="0">
                 <a:solidFill>
